--- a/panelplotlegen.pptx
+++ b/panelplotlegen.pptx
@@ -261,7 +261,7 @@
           <a:p>
             <a:fld id="{64DC6299-C229-4D31-9E53-BD74F2DE7B26}" type="datetimeFigureOut">
               <a:rPr lang="en-AU" smtClean="0"/>
-              <a:t>2022-02-17</a:t>
+              <a:t>2022-02-18</a:t>
             </a:fld>
             <a:endParaRPr lang="en-AU"/>
           </a:p>
@@ -461,7 +461,7 @@
           <a:p>
             <a:fld id="{64DC6299-C229-4D31-9E53-BD74F2DE7B26}" type="datetimeFigureOut">
               <a:rPr lang="en-AU" smtClean="0"/>
-              <a:t>2022-02-17</a:t>
+              <a:t>2022-02-18</a:t>
             </a:fld>
             <a:endParaRPr lang="en-AU"/>
           </a:p>
@@ -671,7 +671,7 @@
           <a:p>
             <a:fld id="{64DC6299-C229-4D31-9E53-BD74F2DE7B26}" type="datetimeFigureOut">
               <a:rPr lang="en-AU" smtClean="0"/>
-              <a:t>2022-02-17</a:t>
+              <a:t>2022-02-18</a:t>
             </a:fld>
             <a:endParaRPr lang="en-AU"/>
           </a:p>
@@ -871,7 +871,7 @@
           <a:p>
             <a:fld id="{64DC6299-C229-4D31-9E53-BD74F2DE7B26}" type="datetimeFigureOut">
               <a:rPr lang="en-AU" smtClean="0"/>
-              <a:t>2022-02-17</a:t>
+              <a:t>2022-02-18</a:t>
             </a:fld>
             <a:endParaRPr lang="en-AU"/>
           </a:p>
@@ -1147,7 +1147,7 @@
           <a:p>
             <a:fld id="{64DC6299-C229-4D31-9E53-BD74F2DE7B26}" type="datetimeFigureOut">
               <a:rPr lang="en-AU" smtClean="0"/>
-              <a:t>2022-02-17</a:t>
+              <a:t>2022-02-18</a:t>
             </a:fld>
             <a:endParaRPr lang="en-AU"/>
           </a:p>
@@ -1415,7 +1415,7 @@
           <a:p>
             <a:fld id="{64DC6299-C229-4D31-9E53-BD74F2DE7B26}" type="datetimeFigureOut">
               <a:rPr lang="en-AU" smtClean="0"/>
-              <a:t>2022-02-17</a:t>
+              <a:t>2022-02-18</a:t>
             </a:fld>
             <a:endParaRPr lang="en-AU"/>
           </a:p>
@@ -1830,7 +1830,7 @@
           <a:p>
             <a:fld id="{64DC6299-C229-4D31-9E53-BD74F2DE7B26}" type="datetimeFigureOut">
               <a:rPr lang="en-AU" smtClean="0"/>
-              <a:t>2022-02-17</a:t>
+              <a:t>2022-02-18</a:t>
             </a:fld>
             <a:endParaRPr lang="en-AU"/>
           </a:p>
@@ -1972,7 +1972,7 @@
           <a:p>
             <a:fld id="{64DC6299-C229-4D31-9E53-BD74F2DE7B26}" type="datetimeFigureOut">
               <a:rPr lang="en-AU" smtClean="0"/>
-              <a:t>2022-02-17</a:t>
+              <a:t>2022-02-18</a:t>
             </a:fld>
             <a:endParaRPr lang="en-AU"/>
           </a:p>
@@ -2085,7 +2085,7 @@
           <a:p>
             <a:fld id="{64DC6299-C229-4D31-9E53-BD74F2DE7B26}" type="datetimeFigureOut">
               <a:rPr lang="en-AU" smtClean="0"/>
-              <a:t>2022-02-17</a:t>
+              <a:t>2022-02-18</a:t>
             </a:fld>
             <a:endParaRPr lang="en-AU"/>
           </a:p>
@@ -2398,7 +2398,7 @@
           <a:p>
             <a:fld id="{64DC6299-C229-4D31-9E53-BD74F2DE7B26}" type="datetimeFigureOut">
               <a:rPr lang="en-AU" smtClean="0"/>
-              <a:t>2022-02-17</a:t>
+              <a:t>2022-02-18</a:t>
             </a:fld>
             <a:endParaRPr lang="en-AU"/>
           </a:p>
@@ -2687,7 +2687,7 @@
           <a:p>
             <a:fld id="{64DC6299-C229-4D31-9E53-BD74F2DE7B26}" type="datetimeFigureOut">
               <a:rPr lang="en-AU" smtClean="0"/>
-              <a:t>2022-02-17</a:t>
+              <a:t>2022-02-18</a:t>
             </a:fld>
             <a:endParaRPr lang="en-AU"/>
           </a:p>
@@ -2930,7 +2930,7 @@
           <a:p>
             <a:fld id="{64DC6299-C229-4D31-9E53-BD74F2DE7B26}" type="datetimeFigureOut">
               <a:rPr lang="en-AU" smtClean="0"/>
-              <a:t>2022-02-17</a:t>
+              <a:t>2022-02-18</a:t>
             </a:fld>
             <a:endParaRPr lang="en-AU"/>
           </a:p>
@@ -3349,10 +3349,10 @@
       </p:grpSpPr>
       <p:grpSp>
         <p:nvGrpSpPr>
-          <p:cNvPr id="14" name="Group 13">
-            <a:extLst>
-              <a:ext uri="{FF2B5EF4-FFF2-40B4-BE49-F238E27FC236}">
-                <a16:creationId xmlns:a16="http://schemas.microsoft.com/office/drawing/2014/main" id="{F8438C32-9395-4F18-8DFC-B359C746CB41}"/>
+          <p:cNvPr id="4" name="Group 3">
+            <a:extLst>
+              <a:ext uri="{FF2B5EF4-FFF2-40B4-BE49-F238E27FC236}">
+                <a16:creationId xmlns:a16="http://schemas.microsoft.com/office/drawing/2014/main" id="{232630AB-205E-46A7-B0F4-E42D3E37A023}"/>
               </a:ext>
             </a:extLst>
           </p:cNvPr>
@@ -3361,107 +3361,268 @@
         </p:nvGrpSpPr>
         <p:grpSpPr>
           <a:xfrm>
-            <a:off x="3696265" y="187490"/>
-            <a:ext cx="4799470" cy="6441910"/>
-            <a:chOff x="3696265" y="187490"/>
-            <a:chExt cx="4799470" cy="6441910"/>
+            <a:off x="3622674" y="181465"/>
+            <a:ext cx="4873061" cy="6400799"/>
+            <a:chOff x="3622674" y="181465"/>
+            <a:chExt cx="4873061" cy="6400799"/>
           </a:xfrm>
         </p:grpSpPr>
-        <p:pic>
-          <p:nvPicPr>
-            <p:cNvPr id="13" name="Picture 12">
+        <p:grpSp>
+          <p:nvGrpSpPr>
+            <p:cNvPr id="14" name="Group 13">
               <a:extLst>
                 <a:ext uri="{FF2B5EF4-FFF2-40B4-BE49-F238E27FC236}">
-                  <a16:creationId xmlns:a16="http://schemas.microsoft.com/office/drawing/2014/main" id="{1A7777F7-1145-4AD5-B246-753871E639B8}"/>
+                  <a16:creationId xmlns:a16="http://schemas.microsoft.com/office/drawing/2014/main" id="{F8438C32-9395-4F18-8DFC-B359C746CB41}"/>
                 </a:ext>
               </a:extLst>
             </p:cNvPr>
-            <p:cNvPicPr>
-              <a:picLocks noChangeAspect="1"/>
-            </p:cNvPicPr>
+            <p:cNvGrpSpPr/>
             <p:nvPr/>
-          </p:nvPicPr>
-          <p:blipFill>
-            <a:blip r:embed="rId2">
+          </p:nvGrpSpPr>
+          <p:grpSpPr>
+            <a:xfrm>
+              <a:off x="3696265" y="181465"/>
+              <a:ext cx="4799470" cy="6400799"/>
+              <a:chOff x="3696265" y="228600"/>
+              <a:chExt cx="4799470" cy="6400799"/>
+            </a:xfrm>
+          </p:grpSpPr>
+          <p:pic>
+            <p:nvPicPr>
+              <p:cNvPr id="13" name="Picture 12">
+                <a:extLst>
+                  <a:ext uri="{FF2B5EF4-FFF2-40B4-BE49-F238E27FC236}">
+                    <a16:creationId xmlns:a16="http://schemas.microsoft.com/office/drawing/2014/main" id="{1A7777F7-1145-4AD5-B246-753871E639B8}"/>
+                  </a:ext>
+                </a:extLst>
+              </p:cNvPr>
+              <p:cNvPicPr>
+                <a:picLocks noChangeAspect="1"/>
+              </p:cNvPicPr>
+              <p:nvPr/>
+            </p:nvPicPr>
+            <p:blipFill>
+              <a:blip r:embed="rId2">
+                <a:extLst>
+                  <a:ext uri="{28A0092B-C50C-407E-A947-70E740481C1C}">
+                    <a14:useLocalDpi xmlns:a14="http://schemas.microsoft.com/office/drawing/2010/main" val="0"/>
+                  </a:ext>
+                </a:extLst>
+              </a:blip>
+              <a:srcRect/>
+              <a:stretch/>
+            </p:blipFill>
+            <p:spPr>
+              <a:xfrm>
+                <a:off x="3696265" y="228600"/>
+                <a:ext cx="4799470" cy="6400799"/>
+              </a:xfrm>
+              <a:prstGeom prst="rect">
+                <a:avLst/>
+              </a:prstGeom>
+            </p:spPr>
+          </p:pic>
+          <p:pic>
+            <p:nvPicPr>
+              <p:cNvPr id="10" name="Picture 9">
+                <a:extLst>
+                  <a:ext uri="{FF2B5EF4-FFF2-40B4-BE49-F238E27FC236}">
+                    <a16:creationId xmlns:a16="http://schemas.microsoft.com/office/drawing/2014/main" id="{497067CF-E922-40E4-B134-8B26739A0DD4}"/>
+                  </a:ext>
+                </a:extLst>
+              </p:cNvPr>
+              <p:cNvPicPr>
+                <a:picLocks noChangeAspect="1"/>
+              </p:cNvPicPr>
+              <p:nvPr/>
+            </p:nvPicPr>
+            <p:blipFill>
+              <a:blip r:embed="rId3"/>
+              <a:stretch>
+                <a:fillRect/>
+              </a:stretch>
+            </p:blipFill>
+            <p:spPr>
+              <a:xfrm>
+                <a:off x="7411956" y="322869"/>
+                <a:ext cx="395732" cy="229202"/>
+              </a:xfrm>
+              <a:prstGeom prst="rect">
+                <a:avLst/>
+              </a:prstGeom>
+            </p:spPr>
+          </p:pic>
+          <p:pic>
+            <p:nvPicPr>
+              <p:cNvPr id="11" name="Picture 10">
+                <a:extLst>
+                  <a:ext uri="{FF2B5EF4-FFF2-40B4-BE49-F238E27FC236}">
+                    <a16:creationId xmlns:a16="http://schemas.microsoft.com/office/drawing/2014/main" id="{CD54B3DB-3307-4436-8202-2D5AD5EDC4BB}"/>
+                  </a:ext>
+                </a:extLst>
+              </p:cNvPr>
+              <p:cNvPicPr>
+                <a:picLocks noChangeAspect="1"/>
+              </p:cNvPicPr>
+              <p:nvPr/>
+            </p:nvPicPr>
+            <p:blipFill>
+              <a:blip r:embed="rId4"/>
+              <a:stretch>
+                <a:fillRect/>
+              </a:stretch>
+            </p:blipFill>
+            <p:spPr>
+              <a:xfrm>
+                <a:off x="7853915" y="322869"/>
+                <a:ext cx="323979" cy="361568"/>
+              </a:xfrm>
+              <a:prstGeom prst="rect">
+                <a:avLst/>
+              </a:prstGeom>
+            </p:spPr>
+          </p:pic>
+        </p:grpSp>
+        <p:sp>
+          <p:nvSpPr>
+            <p:cNvPr id="2" name="TextBox 1">
               <a:extLst>
-                <a:ext uri="{28A0092B-C50C-407E-A947-70E740481C1C}">
-                  <a14:useLocalDpi xmlns:a14="http://schemas.microsoft.com/office/drawing/2010/main" val="0"/>
+                <a:ext uri="{FF2B5EF4-FFF2-40B4-BE49-F238E27FC236}">
+                  <a16:creationId xmlns:a16="http://schemas.microsoft.com/office/drawing/2014/main" id="{345737E8-4462-41BB-AB2B-670D3090B236}"/>
                 </a:ext>
               </a:extLst>
-            </a:blip>
-            <a:srcRect/>
-            <a:stretch/>
-          </p:blipFill>
+            </p:cNvPr>
+            <p:cNvSpPr txBox="1"/>
+            <p:nvPr/>
+          </p:nvSpPr>
           <p:spPr>
             <a:xfrm>
-              <a:off x="3696265" y="228600"/>
-              <a:ext cx="4799470" cy="6400800"/>
+              <a:off x="3622674" y="211945"/>
+              <a:ext cx="533529" cy="276999"/>
             </a:xfrm>
             <a:prstGeom prst="rect">
               <a:avLst/>
             </a:prstGeom>
+            <a:noFill/>
           </p:spPr>
-        </p:pic>
-        <p:pic>
-          <p:nvPicPr>
-            <p:cNvPr id="10" name="Picture 9">
+          <p:txBody>
+            <a:bodyPr wrap="square" rtlCol="0">
+              <a:spAutoFit/>
+            </a:bodyPr>
+            <a:lstStyle/>
+            <a:p>
+              <a:r>
+                <a:rPr lang="en-AU" sz="1200" b="1" dirty="0"/>
+                <a:t>(A)</a:t>
+              </a:r>
+            </a:p>
+          </p:txBody>
+        </p:sp>
+        <p:sp>
+          <p:nvSpPr>
+            <p:cNvPr id="7" name="TextBox 6">
               <a:extLst>
                 <a:ext uri="{FF2B5EF4-FFF2-40B4-BE49-F238E27FC236}">
-                  <a16:creationId xmlns:a16="http://schemas.microsoft.com/office/drawing/2014/main" id="{497067CF-E922-40E4-B134-8B26739A0DD4}"/>
+                  <a16:creationId xmlns:a16="http://schemas.microsoft.com/office/drawing/2014/main" id="{9765D16F-C0BB-4E4D-A846-0D4517E10680}"/>
                 </a:ext>
               </a:extLst>
             </p:cNvPr>
-            <p:cNvPicPr>
-              <a:picLocks noChangeAspect="1"/>
-            </p:cNvPicPr>
+            <p:cNvSpPr txBox="1"/>
             <p:nvPr/>
-          </p:nvPicPr>
-          <p:blipFill>
-            <a:blip r:embed="rId3"/>
-            <a:stretch>
-              <a:fillRect/>
-            </a:stretch>
-          </p:blipFill>
+          </p:nvSpPr>
           <p:spPr>
             <a:xfrm>
-              <a:off x="4815713" y="196523"/>
-              <a:ext cx="395732" cy="229202"/>
+              <a:off x="3622675" y="1581228"/>
+              <a:ext cx="533529" cy="276999"/>
             </a:xfrm>
             <a:prstGeom prst="rect">
               <a:avLst/>
             </a:prstGeom>
+            <a:noFill/>
           </p:spPr>
-        </p:pic>
-        <p:pic>
-          <p:nvPicPr>
-            <p:cNvPr id="11" name="Picture 10">
+          <p:txBody>
+            <a:bodyPr wrap="square" rtlCol="0">
+              <a:spAutoFit/>
+            </a:bodyPr>
+            <a:lstStyle/>
+            <a:p>
+              <a:r>
+                <a:rPr lang="en-AU" sz="1200" b="1" dirty="0"/>
+                <a:t>(B)</a:t>
+              </a:r>
+            </a:p>
+          </p:txBody>
+        </p:sp>
+        <p:sp>
+          <p:nvSpPr>
+            <p:cNvPr id="8" name="TextBox 7">
               <a:extLst>
                 <a:ext uri="{FF2B5EF4-FFF2-40B4-BE49-F238E27FC236}">
-                  <a16:creationId xmlns:a16="http://schemas.microsoft.com/office/drawing/2014/main" id="{CD54B3DB-3307-4436-8202-2D5AD5EDC4BB}"/>
+                  <a16:creationId xmlns:a16="http://schemas.microsoft.com/office/drawing/2014/main" id="{98AEC5AE-8C67-4A91-BC3F-F13993232DC1}"/>
                 </a:ext>
               </a:extLst>
             </p:cNvPr>
-            <p:cNvPicPr>
-              <a:picLocks noChangeAspect="1"/>
-            </p:cNvPicPr>
+            <p:cNvSpPr txBox="1"/>
             <p:nvPr/>
-          </p:nvPicPr>
-          <p:blipFill>
-            <a:blip r:embed="rId4"/>
-            <a:stretch>
-              <a:fillRect/>
-            </a:stretch>
-          </p:blipFill>
+          </p:nvSpPr>
           <p:spPr>
             <a:xfrm>
-              <a:off x="4419472" y="187490"/>
-              <a:ext cx="323979" cy="361568"/>
+              <a:off x="3622674" y="3102886"/>
+              <a:ext cx="533529" cy="276999"/>
             </a:xfrm>
             <a:prstGeom prst="rect">
               <a:avLst/>
             </a:prstGeom>
+            <a:noFill/>
           </p:spPr>
-        </p:pic>
+          <p:txBody>
+            <a:bodyPr wrap="square" rtlCol="0">
+              <a:spAutoFit/>
+            </a:bodyPr>
+            <a:lstStyle/>
+            <a:p>
+              <a:r>
+                <a:rPr lang="en-AU" sz="1200" b="1" dirty="0"/>
+                <a:t>(C)</a:t>
+              </a:r>
+            </a:p>
+          </p:txBody>
+        </p:sp>
+        <p:sp>
+          <p:nvSpPr>
+            <p:cNvPr id="9" name="TextBox 8">
+              <a:extLst>
+                <a:ext uri="{FF2B5EF4-FFF2-40B4-BE49-F238E27FC236}">
+                  <a16:creationId xmlns:a16="http://schemas.microsoft.com/office/drawing/2014/main" id="{857A703E-F756-417F-8DB2-B3B3F9AAA084}"/>
+                </a:ext>
+              </a:extLst>
+            </p:cNvPr>
+            <p:cNvSpPr txBox="1"/>
+            <p:nvPr/>
+          </p:nvSpPr>
+          <p:spPr>
+            <a:xfrm>
+              <a:off x="3622674" y="4599069"/>
+              <a:ext cx="533529" cy="276999"/>
+            </a:xfrm>
+            <a:prstGeom prst="rect">
+              <a:avLst/>
+            </a:prstGeom>
+            <a:noFill/>
+          </p:spPr>
+          <p:txBody>
+            <a:bodyPr wrap="square" rtlCol="0">
+              <a:spAutoFit/>
+            </a:bodyPr>
+            <a:lstStyle/>
+            <a:p>
+              <a:r>
+                <a:rPr lang="en-AU" sz="1200" b="1" dirty="0"/>
+                <a:t>(D)</a:t>
+              </a:r>
+            </a:p>
+          </p:txBody>
+        </p:sp>
       </p:grpSp>
     </p:spTree>
     <p:extLst>
